--- a/SupplyChainAnalytics_Predict_Sales_Using_TimeSeries/DAB400_SCA_FinalProject_SalesForecast_usingTimeSeriesModels_Group3_Presentation.pptx
+++ b/SupplyChainAnalytics_Predict_Sales_Using_TimeSeries/DAB400_SCA_FinalProject_SalesForecast_usingTimeSeriesModels_Group3_Presentation.pptx
@@ -12,21 +12,21 @@
   </p:handoutMasterIdLst>
   <p:sldIdLst>
     <p:sldId id="269" r:id="rId2"/>
-    <p:sldId id="270" r:id="rId3"/>
-    <p:sldId id="271" r:id="rId4"/>
-    <p:sldId id="272" r:id="rId5"/>
-    <p:sldId id="289" r:id="rId6"/>
-    <p:sldId id="290" r:id="rId7"/>
-    <p:sldId id="273" r:id="rId8"/>
-    <p:sldId id="284" r:id="rId9"/>
-    <p:sldId id="287" r:id="rId10"/>
-    <p:sldId id="292" r:id="rId11"/>
-    <p:sldId id="288" r:id="rId12"/>
-    <p:sldId id="282" r:id="rId13"/>
-    <p:sldId id="283" r:id="rId14"/>
-    <p:sldId id="274" r:id="rId15"/>
-    <p:sldId id="285" r:id="rId16"/>
-    <p:sldId id="291" r:id="rId17"/>
+    <p:sldId id="291" r:id="rId3"/>
+    <p:sldId id="270" r:id="rId4"/>
+    <p:sldId id="271" r:id="rId5"/>
+    <p:sldId id="272" r:id="rId6"/>
+    <p:sldId id="289" r:id="rId7"/>
+    <p:sldId id="290" r:id="rId8"/>
+    <p:sldId id="273" r:id="rId9"/>
+    <p:sldId id="284" r:id="rId10"/>
+    <p:sldId id="287" r:id="rId11"/>
+    <p:sldId id="292" r:id="rId12"/>
+    <p:sldId id="288" r:id="rId13"/>
+    <p:sldId id="282" r:id="rId14"/>
+    <p:sldId id="283" r:id="rId15"/>
+    <p:sldId id="274" r:id="rId16"/>
+    <p:sldId id="285" r:id="rId17"/>
     <p:sldId id="286" r:id="rId18"/>
   </p:sldIdLst>
   <p:sldSz cx="9144000" cy="6858000" type="screen4x3"/>
@@ -4803,7 +4803,7 @@
             <a:fld id="{823FACB9-4E35-4CB3-835A-2EBF55FAEDE3}" type="slidenum">
               <a:rPr lang="en-US" smtClean="0"/>
               <a:pPr/>
-              <a:t>12</a:t>
+              <a:t>13</a:t>
             </a:fld>
             <a:endParaRPr lang="en-US" dirty="0"/>
           </a:p>
@@ -6690,7 +6690,7 @@
             <a:fld id="{3259C393-9A2B-45A2-8E4E-FAFA5413C1FC}" type="datetime1">
               <a:rPr lang="en-US" altLang="en-US" smtClean="0"/>
               <a:pPr/>
-              <a:t>4/15/2021</a:t>
+              <a:t>6/15/2021</a:t>
             </a:fld>
             <a:endParaRPr lang="en-US" altLang="en-US" dirty="0"/>
           </a:p>
@@ -6877,7 +6877,7 @@
             <a:fld id="{12C67B00-BE02-4BB9-B9A5-D51D0D1A821E}" type="datetime1">
               <a:rPr lang="en-US" altLang="en-US" smtClean="0"/>
               <a:pPr/>
-              <a:t>4/15/2021</a:t>
+              <a:t>6/15/2021</a:t>
             </a:fld>
             <a:endParaRPr lang="en-US" altLang="en-US" dirty="0"/>
           </a:p>
@@ -7079,7 +7079,7 @@
             <a:fld id="{7FA2D16B-FB7D-484B-A659-F70C0EEA95A8}" type="datetime1">
               <a:rPr lang="en-US" altLang="en-US" smtClean="0"/>
               <a:pPr/>
-              <a:t>4/15/2021</a:t>
+              <a:t>6/15/2021</a:t>
             </a:fld>
             <a:endParaRPr lang="en-US" altLang="en-US" dirty="0"/>
           </a:p>
@@ -7271,7 +7271,7 @@
             <a:fld id="{53158947-7A00-4A76-84B1-1B2119E03B78}" type="datetime1">
               <a:rPr lang="en-US" altLang="en-US" smtClean="0"/>
               <a:pPr/>
-              <a:t>4/15/2021</a:t>
+              <a:t>6/15/2021</a:t>
             </a:fld>
             <a:endParaRPr lang="en-US" altLang="en-US" dirty="0"/>
           </a:p>
@@ -7479,7 +7479,7 @@
             <a:fld id="{ED91BFB3-8F1B-477F-B96F-8BA65B2D4AD3}" type="datetime1">
               <a:rPr lang="en-US" altLang="en-US" smtClean="0"/>
               <a:pPr/>
-              <a:t>4/15/2021</a:t>
+              <a:t>6/15/2021</a:t>
             </a:fld>
             <a:endParaRPr lang="en-US" altLang="en-US" dirty="0"/>
           </a:p>
@@ -7787,7 +7787,7 @@
             <a:fld id="{B493DC1E-4DED-43A8-89C3-4163E3A75CBB}" type="datetime1">
               <a:rPr lang="en-US" altLang="en-US" smtClean="0"/>
               <a:pPr/>
-              <a:t>4/15/2021</a:t>
+              <a:t>6/15/2021</a:t>
             </a:fld>
             <a:endParaRPr lang="en-US" altLang="en-US" dirty="0"/>
           </a:p>
@@ -8234,7 +8234,7 @@
             <a:fld id="{6676BA95-CF00-41A1-A420-966FC66619DA}" type="datetime1">
               <a:rPr lang="en-US" altLang="en-US" smtClean="0"/>
               <a:pPr/>
-              <a:t>4/15/2021</a:t>
+              <a:t>6/15/2021</a:t>
             </a:fld>
             <a:endParaRPr lang="en-US" altLang="en-US" dirty="0"/>
           </a:p>
@@ -8368,7 +8368,7 @@
             <a:fld id="{D0CD8A93-8C14-4267-B95F-FE4BE0AB69DE}" type="datetime1">
               <a:rPr lang="en-US" altLang="en-US" smtClean="0"/>
               <a:pPr/>
-              <a:t>4/15/2021</a:t>
+              <a:t>6/15/2021</a:t>
             </a:fld>
             <a:endParaRPr lang="en-US" altLang="en-US" dirty="0"/>
           </a:p>
@@ -8480,7 +8480,7 @@
             <a:fld id="{2E05897D-7D60-41CE-AECE-5AF4DAA0D447}" type="datetime1">
               <a:rPr lang="en-US" altLang="en-US" smtClean="0"/>
               <a:pPr/>
-              <a:t>4/15/2021</a:t>
+              <a:t>6/15/2021</a:t>
             </a:fld>
             <a:endParaRPr lang="en-US" altLang="en-US" dirty="0"/>
           </a:p>
@@ -8775,7 +8775,7 @@
             <a:fld id="{11919950-C514-47F9-AEFE-38055CCEE8E4}" type="datetime1">
               <a:rPr lang="en-US" altLang="en-US" smtClean="0"/>
               <a:pPr/>
-              <a:t>4/15/2021</a:t>
+              <a:t>6/15/2021</a:t>
             </a:fld>
             <a:endParaRPr lang="en-US" altLang="en-US" dirty="0"/>
           </a:p>
@@ -9048,7 +9048,7 @@
             <a:fld id="{686D2572-3AEE-4103-AD61-E3B66B0BAB81}" type="datetime1">
               <a:rPr lang="en-US" altLang="en-US" smtClean="0"/>
               <a:pPr/>
-              <a:t>4/15/2021</a:t>
+              <a:t>6/15/2021</a:t>
             </a:fld>
             <a:endParaRPr lang="en-US" altLang="en-US" dirty="0"/>
           </a:p>
@@ -11097,7 +11097,7 @@
             <a:fld id="{375B0982-7648-47FF-97D6-16483483F3D5}" type="datetime1">
               <a:rPr lang="en-US" altLang="en-US" smtClean="0"/>
               <a:pPr/>
-              <a:t>4/15/2021</a:t>
+              <a:t>6/15/2021</a:t>
             </a:fld>
             <a:endParaRPr lang="en-US" altLang="en-US" dirty="0"/>
           </a:p>
@@ -12031,6 +12031,309 @@
           <a:p>
             <a:r>
               <a:rPr lang="en-US" dirty="0"/>
+              <a:t>3.2. Exponential Smoothing</a:t>
+            </a:r>
+          </a:p>
+        </p:txBody>
+      </p:sp>
+      <p:sp>
+        <p:nvSpPr>
+          <p:cNvPr id="14" name="Text Placeholder 2">
+            <a:extLst>
+              <a:ext uri="{FF2B5EF4-FFF2-40B4-BE49-F238E27FC236}">
+                <a16:creationId xmlns:a16="http://schemas.microsoft.com/office/drawing/2014/main" id="{43A5F099-7A7F-4B0C-9B00-87044B7B977A}"/>
+              </a:ext>
+            </a:extLst>
+          </p:cNvPr>
+          <p:cNvSpPr>
+            <a:spLocks noGrp="1"/>
+          </p:cNvSpPr>
+          <p:nvPr>
+            <p:ph type="body" idx="1"/>
+          </p:nvPr>
+        </p:nvSpPr>
+        <p:spPr>
+          <a:xfrm>
+            <a:off x="530225" y="1772816"/>
+            <a:ext cx="4041775" cy="2181921"/>
+          </a:xfrm>
+        </p:spPr>
+        <p:txBody>
+          <a:bodyPr>
+            <a:normAutofit fontScale="70000" lnSpcReduction="20000"/>
+          </a:bodyPr>
+          <a:lstStyle/>
+          <a:p>
+            <a:pPr marL="0" indent="0">
+              <a:lnSpc>
+                <a:spcPct val="90000"/>
+              </a:lnSpc>
+              <a:buNone/>
+            </a:pPr>
+            <a:r>
+              <a:rPr lang="en-US" b="0" dirty="0">
+                <a:solidFill>
+                  <a:schemeClr val="accent1">
+                    <a:lumMod val="75000"/>
+                  </a:schemeClr>
+                </a:solidFill>
+              </a:rPr>
+              <a:t>Simple Exponential Smoothing (SES)</a:t>
+            </a:r>
+          </a:p>
+          <a:p>
+            <a:pPr marL="285750" indent="-285750">
+              <a:lnSpc>
+                <a:spcPct val="90000"/>
+              </a:lnSpc>
+              <a:buFont typeface="Arial" panose="020B0604020202020204" pitchFamily="34" charset="0"/>
+              <a:buChar char="•"/>
+            </a:pPr>
+            <a:r>
+              <a:rPr lang="en-US" b="0" dirty="0"/>
+              <a:t>SES does not consider trend and seasonality, require parameter Alpha called smoothing factor </a:t>
+            </a:r>
+          </a:p>
+          <a:p>
+            <a:pPr marL="285750" indent="-285750">
+              <a:lnSpc>
+                <a:spcPct val="90000"/>
+              </a:lnSpc>
+              <a:buFont typeface="Arial" panose="020B0604020202020204" pitchFamily="34" charset="0"/>
+              <a:buChar char="•"/>
+            </a:pPr>
+            <a:r>
+              <a:rPr lang="en-US" b="0" dirty="0"/>
+              <a:t>This model learn bit from most recent demand and last forecast.</a:t>
+            </a:r>
+          </a:p>
+          <a:p>
+            <a:pPr marL="285750" indent="-285750">
+              <a:lnSpc>
+                <a:spcPct val="90000"/>
+              </a:lnSpc>
+              <a:buFont typeface="Arial" panose="020B0604020202020204" pitchFamily="34" charset="0"/>
+              <a:buChar char="•"/>
+            </a:pPr>
+            <a:r>
+              <a:rPr lang="en-US" b="0" dirty="0"/>
+              <a:t>That’s the reason we get a straight line as prediction which is not that much useful.</a:t>
+            </a:r>
+          </a:p>
+          <a:p>
+            <a:endParaRPr lang="en-US" dirty="0"/>
+          </a:p>
+        </p:txBody>
+      </p:sp>
+      <p:sp>
+        <p:nvSpPr>
+          <p:cNvPr id="16" name="Text Placeholder 4">
+            <a:extLst>
+              <a:ext uri="{FF2B5EF4-FFF2-40B4-BE49-F238E27FC236}">
+                <a16:creationId xmlns:a16="http://schemas.microsoft.com/office/drawing/2014/main" id="{006FF6F1-8B4E-4A7B-B218-A3B5E1357AA9}"/>
+              </a:ext>
+            </a:extLst>
+          </p:cNvPr>
+          <p:cNvSpPr>
+            <a:spLocks noGrp="1"/>
+          </p:cNvSpPr>
+          <p:nvPr>
+            <p:ph type="body" sz="quarter" idx="3"/>
+          </p:nvPr>
+        </p:nvSpPr>
+        <p:spPr>
+          <a:xfrm>
+            <a:off x="4788024" y="1642408"/>
+            <a:ext cx="3898776" cy="2071409"/>
+          </a:xfrm>
+        </p:spPr>
+        <p:txBody>
+          <a:bodyPr>
+            <a:normAutofit fontScale="70000" lnSpcReduction="20000"/>
+          </a:bodyPr>
+          <a:lstStyle/>
+          <a:p>
+            <a:pPr marL="0" indent="0">
+              <a:lnSpc>
+                <a:spcPct val="90000"/>
+              </a:lnSpc>
+              <a:buNone/>
+            </a:pPr>
+            <a:r>
+              <a:rPr lang="en-IN" b="0" dirty="0">
+                <a:solidFill>
+                  <a:schemeClr val="accent1">
+                    <a:lumMod val="75000"/>
+                  </a:schemeClr>
+                </a:solidFill>
+              </a:rPr>
+              <a:t>Double Exponential Smoothing (DES)</a:t>
+            </a:r>
+          </a:p>
+          <a:p>
+            <a:pPr marL="285750" indent="-285750">
+              <a:lnSpc>
+                <a:spcPct val="90000"/>
+              </a:lnSpc>
+              <a:buFont typeface="Arial" panose="020B0604020202020204" pitchFamily="34" charset="0"/>
+              <a:buChar char="•"/>
+            </a:pPr>
+            <a:r>
+              <a:rPr lang="en-IN" b="0" dirty="0"/>
+              <a:t>DES is extension of SES, and is reliable for handling the univariate time series that shows trend but ignores the seasonality.</a:t>
+            </a:r>
+          </a:p>
+          <a:p>
+            <a:pPr marL="285750" indent="-285750">
+              <a:lnSpc>
+                <a:spcPct val="90000"/>
+              </a:lnSpc>
+              <a:buFont typeface="Arial" panose="020B0604020202020204" pitchFamily="34" charset="0"/>
+              <a:buChar char="•"/>
+            </a:pPr>
+            <a:r>
+              <a:rPr lang="en-IN" b="0" dirty="0"/>
+              <a:t>In the figure, we see a straight line with little upward trend, which is also not a good predictor.</a:t>
+            </a:r>
+          </a:p>
+          <a:p>
+            <a:endParaRPr lang="en-US" dirty="0"/>
+          </a:p>
+        </p:txBody>
+      </p:sp>
+      <p:pic>
+        <p:nvPicPr>
+          <p:cNvPr id="9" name="Picture 8" descr="Chart, line chart&#10;&#10;Description automatically generated">
+            <a:extLst>
+              <a:ext uri="{FF2B5EF4-FFF2-40B4-BE49-F238E27FC236}">
+                <a16:creationId xmlns:a16="http://schemas.microsoft.com/office/drawing/2014/main" id="{E716A822-3B54-4488-B647-EEA47C245664}"/>
+              </a:ext>
+            </a:extLst>
+          </p:cNvPr>
+          <p:cNvPicPr>
+            <a:picLocks noChangeAspect="1"/>
+          </p:cNvPicPr>
+          <p:nvPr/>
+        </p:nvPicPr>
+        <p:blipFill>
+          <a:blip r:embed="rId2" cstate="print">
+            <a:extLst>
+              <a:ext uri="{28A0092B-C50C-407E-A947-70E740481C1C}">
+                <a14:useLocalDpi xmlns:a14="http://schemas.microsoft.com/office/drawing/2010/main" val="0"/>
+              </a:ext>
+            </a:extLst>
+          </a:blip>
+          <a:stretch>
+            <a:fillRect/>
+          </a:stretch>
+        </p:blipFill>
+        <p:spPr>
+          <a:xfrm>
+            <a:off x="899592" y="4084618"/>
+            <a:ext cx="3746044" cy="1919847"/>
+          </a:xfrm>
+          <a:prstGeom prst="rect">
+            <a:avLst/>
+          </a:prstGeom>
+          <a:noFill/>
+        </p:spPr>
+      </p:pic>
+      <p:pic>
+        <p:nvPicPr>
+          <p:cNvPr id="15" name="Picture 14" descr="Line chart&#10;&#10;Description automatically generated">
+            <a:extLst>
+              <a:ext uri="{FF2B5EF4-FFF2-40B4-BE49-F238E27FC236}">
+                <a16:creationId xmlns:a16="http://schemas.microsoft.com/office/drawing/2014/main" id="{011D4879-EC4A-4150-A27C-614F1DC5CA17}"/>
+              </a:ext>
+            </a:extLst>
+          </p:cNvPr>
+          <p:cNvPicPr>
+            <a:picLocks noChangeAspect="1"/>
+          </p:cNvPicPr>
+          <p:nvPr/>
+        </p:nvPicPr>
+        <p:blipFill>
+          <a:blip r:embed="rId3" cstate="print">
+            <a:extLst>
+              <a:ext uri="{28A0092B-C50C-407E-A947-70E740481C1C}">
+                <a14:useLocalDpi xmlns:a14="http://schemas.microsoft.com/office/drawing/2010/main" val="0"/>
+              </a:ext>
+            </a:extLst>
+          </a:blip>
+          <a:stretch>
+            <a:fillRect/>
+          </a:stretch>
+        </p:blipFill>
+        <p:spPr>
+          <a:xfrm>
+            <a:off x="5076056" y="4075325"/>
+            <a:ext cx="3329581" cy="1945204"/>
+          </a:xfrm>
+          <a:prstGeom prst="rect">
+            <a:avLst/>
+          </a:prstGeom>
+        </p:spPr>
+      </p:pic>
+    </p:spTree>
+    <p:extLst>
+      <p:ext uri="{BB962C8B-B14F-4D97-AF65-F5344CB8AC3E}">
+        <p14:creationId xmlns:p14="http://schemas.microsoft.com/office/powerpoint/2010/main" val="3627954468"/>
+      </p:ext>
+    </p:extLst>
+  </p:cSld>
+  <p:clrMapOvr>
+    <a:masterClrMapping/>
+  </p:clrMapOvr>
+</p:sld>
+</file>
+
+<file path=ppt/slides/slide11.xml><?xml version="1.0" encoding="utf-8"?>
+<p:sld xmlns:a="http://schemas.openxmlformats.org/drawingml/2006/main" xmlns:r="http://schemas.openxmlformats.org/officeDocument/2006/relationships" xmlns:p="http://schemas.openxmlformats.org/presentationml/2006/main">
+  <p:cSld>
+    <p:spTree>
+      <p:nvGrpSpPr>
+        <p:cNvPr id="1" name=""/>
+        <p:cNvGrpSpPr/>
+        <p:nvPr/>
+      </p:nvGrpSpPr>
+      <p:grpSpPr>
+        <a:xfrm>
+          <a:off x="0" y="0"/>
+          <a:ext cx="0" cy="0"/>
+          <a:chOff x="0" y="0"/>
+          <a:chExt cx="0" cy="0"/>
+        </a:xfrm>
+      </p:grpSpPr>
+      <p:sp>
+        <p:nvSpPr>
+          <p:cNvPr id="2" name="Title 1">
+            <a:extLst>
+              <a:ext uri="{FF2B5EF4-FFF2-40B4-BE49-F238E27FC236}">
+                <a16:creationId xmlns:a16="http://schemas.microsoft.com/office/drawing/2014/main" id="{D86294C1-FB65-4366-A83A-341A46390349}"/>
+              </a:ext>
+            </a:extLst>
+          </p:cNvPr>
+          <p:cNvSpPr>
+            <a:spLocks noGrp="1"/>
+          </p:cNvSpPr>
+          <p:nvPr>
+            <p:ph type="title"/>
+          </p:nvPr>
+        </p:nvSpPr>
+        <p:spPr>
+          <a:xfrm>
+            <a:off x="457200" y="274638"/>
+            <a:ext cx="8229600" cy="1143000"/>
+          </a:xfrm>
+        </p:spPr>
+        <p:txBody>
+          <a:bodyPr wrap="square" anchor="b">
+            <a:normAutofit/>
+          </a:bodyPr>
+          <a:lstStyle/>
+          <a:p>
+            <a:r>
+              <a:rPr lang="en-US" dirty="0"/>
               <a:t>3.2. Exponential Smoothing (cont.)</a:t>
             </a:r>
           </a:p>
@@ -12275,7 +12578,7 @@
 </p:sld>
 </file>
 
-<file path=ppt/slides/slide11.xml><?xml version="1.0" encoding="utf-8"?>
+<file path=ppt/slides/slide12.xml><?xml version="1.0" encoding="utf-8"?>
 <p:sld xmlns:a="http://schemas.openxmlformats.org/drawingml/2006/main" xmlns:r="http://schemas.openxmlformats.org/officeDocument/2006/relationships" xmlns:p="http://schemas.openxmlformats.org/presentationml/2006/main">
   <p:cSld>
     <p:spTree>
@@ -12520,7 +12823,7 @@
 </p:sld>
 </file>
 
-<file path=ppt/slides/slide12.xml><?xml version="1.0" encoding="utf-8"?>
+<file path=ppt/slides/slide13.xml><?xml version="1.0" encoding="utf-8"?>
 <p:sld xmlns:a="http://schemas.openxmlformats.org/drawingml/2006/main" xmlns:r="http://schemas.openxmlformats.org/officeDocument/2006/relationships" xmlns:p="http://schemas.openxmlformats.org/presentationml/2006/main">
   <p:cSld>
     <p:spTree>
@@ -13112,7 +13415,7 @@
 </p:sld>
 </file>
 
-<file path=ppt/slides/slide13.xml><?xml version="1.0" encoding="utf-8"?>
+<file path=ppt/slides/slide14.xml><?xml version="1.0" encoding="utf-8"?>
 <p:sld xmlns:a="http://schemas.openxmlformats.org/drawingml/2006/main" xmlns:r="http://schemas.openxmlformats.org/officeDocument/2006/relationships" xmlns:p="http://schemas.openxmlformats.org/presentationml/2006/main">
   <p:cSld>
     <p:spTree>
@@ -13444,7 +13747,7 @@
 </p:sld>
 </file>
 
-<file path=ppt/slides/slide14.xml><?xml version="1.0" encoding="utf-8"?>
+<file path=ppt/slides/slide15.xml><?xml version="1.0" encoding="utf-8"?>
 <p:sld xmlns:a="http://schemas.openxmlformats.org/drawingml/2006/main" xmlns:r="http://schemas.openxmlformats.org/officeDocument/2006/relationships" xmlns:p="http://schemas.openxmlformats.org/presentationml/2006/main">
   <p:cSld>
     <p:spTree>
@@ -13733,119 +14036,6 @@
 </p:sld>
 </file>
 
-<file path=ppt/slides/slide15.xml><?xml version="1.0" encoding="utf-8"?>
-<p:sld xmlns:a="http://schemas.openxmlformats.org/drawingml/2006/main" xmlns:r="http://schemas.openxmlformats.org/officeDocument/2006/relationships" xmlns:p="http://schemas.openxmlformats.org/presentationml/2006/main">
-  <p:cSld>
-    <p:spTree>
-      <p:nvGrpSpPr>
-        <p:cNvPr id="1" name=""/>
-        <p:cNvGrpSpPr/>
-        <p:nvPr/>
-      </p:nvGrpSpPr>
-      <p:grpSpPr>
-        <a:xfrm>
-          <a:off x="0" y="0"/>
-          <a:ext cx="0" cy="0"/>
-          <a:chOff x="0" y="0"/>
-          <a:chExt cx="0" cy="0"/>
-        </a:xfrm>
-      </p:grpSpPr>
-      <p:sp>
-        <p:nvSpPr>
-          <p:cNvPr id="2" name="Title 1">
-            <a:extLst>
-              <a:ext uri="{FF2B5EF4-FFF2-40B4-BE49-F238E27FC236}">
-                <a16:creationId xmlns:a16="http://schemas.microsoft.com/office/drawing/2014/main" id="{F24765FE-5DC8-4FFF-A1C7-4CC710B3D073}"/>
-              </a:ext>
-            </a:extLst>
-          </p:cNvPr>
-          <p:cNvSpPr>
-            <a:spLocks noGrp="1"/>
-          </p:cNvSpPr>
-          <p:nvPr>
-            <p:ph type="ctrTitle"/>
-          </p:nvPr>
-        </p:nvSpPr>
-        <p:spPr>
-          <a:xfrm>
-            <a:off x="315913" y="466725"/>
-            <a:ext cx="6781800" cy="2133600"/>
-          </a:xfrm>
-        </p:spPr>
-        <p:txBody>
-          <a:bodyPr wrap="square" anchor="b">
-            <a:normAutofit/>
-          </a:bodyPr>
-          <a:lstStyle/>
-          <a:p>
-            <a:r>
-              <a:rPr lang="en-US" dirty="0"/>
-              <a:t>5. Conclusion</a:t>
-            </a:r>
-          </a:p>
-        </p:txBody>
-      </p:sp>
-      <p:sp>
-        <p:nvSpPr>
-          <p:cNvPr id="3" name="Content Placeholder 2">
-            <a:extLst>
-              <a:ext uri="{FF2B5EF4-FFF2-40B4-BE49-F238E27FC236}">
-                <a16:creationId xmlns:a16="http://schemas.microsoft.com/office/drawing/2014/main" id="{C4DFD893-57C4-4127-A79D-AC2307C2C10F}"/>
-              </a:ext>
-            </a:extLst>
-          </p:cNvPr>
-          <p:cNvSpPr>
-            <a:spLocks noGrp="1"/>
-          </p:cNvSpPr>
-          <p:nvPr>
-            <p:ph type="subTitle" idx="1"/>
-          </p:nvPr>
-        </p:nvSpPr>
-        <p:spPr>
-          <a:xfrm>
-            <a:off x="849313" y="3049588"/>
-            <a:ext cx="6248400" cy="2362200"/>
-          </a:xfrm>
-        </p:spPr>
-        <p:txBody>
-          <a:bodyPr wrap="square" anchor="t">
-            <a:normAutofit fontScale="70000" lnSpcReduction="20000"/>
-          </a:bodyPr>
-          <a:lstStyle/>
-          <a:p>
-            <a:pPr>
-              <a:lnSpc>
-                <a:spcPct val="90000"/>
-              </a:lnSpc>
-            </a:pPr>
-            <a:endParaRPr lang="en-US" dirty="0"/>
-          </a:p>
-          <a:p>
-            <a:pPr>
-              <a:lnSpc>
-                <a:spcPct val="90000"/>
-              </a:lnSpc>
-            </a:pPr>
-            <a:r>
-              <a:rPr lang="en-US" dirty="0"/>
-              <a:t>In this project, we practiced again all learnt time-series methods for sales forecast that is a small part of supply chain analytics. The best model is good for train and test phases within sample data. However, we cannot evaluate for out-of-sample case. Therefore, more training data is expected so that the model can learn more the trend and seasonal feature in time-series data and do forecasting better. </a:t>
-            </a:r>
-          </a:p>
-        </p:txBody>
-      </p:sp>
-    </p:spTree>
-    <p:extLst>
-      <p:ext uri="{BB962C8B-B14F-4D97-AF65-F5344CB8AC3E}">
-        <p14:creationId xmlns:p14="http://schemas.microsoft.com/office/powerpoint/2010/main" val="1754980733"/>
-      </p:ext>
-    </p:extLst>
-  </p:cSld>
-  <p:clrMapOvr>
-    <a:masterClrMapping/>
-  </p:clrMapOvr>
-</p:sld>
-</file>
-
 <file path=ppt/slides/slide16.xml><?xml version="1.0" encoding="utf-8"?>
 <p:sld xmlns:a="http://schemas.openxmlformats.org/drawingml/2006/main" xmlns:r="http://schemas.openxmlformats.org/officeDocument/2006/relationships" xmlns:p="http://schemas.openxmlformats.org/presentationml/2006/main">
   <p:cSld>
@@ -13893,7 +14083,7 @@
           <a:p>
             <a:r>
               <a:rPr lang="en-US" dirty="0"/>
-              <a:t>6. Contribution</a:t>
+              <a:t>5. Conclusion</a:t>
             </a:r>
           </a:p>
         </p:txBody>
@@ -13926,116 +14116,6 @@
           </a:bodyPr>
           <a:lstStyle/>
           <a:p>
-            <a:pPr algn="l"/>
-            <a:r>
-              <a:rPr lang="en-CA" i="0" dirty="0">
-                <a:solidFill>
-                  <a:schemeClr val="accent1">
-                    <a:lumMod val="75000"/>
-                  </a:schemeClr>
-                </a:solidFill>
-                <a:effectLst/>
-                <a:latin typeface="-apple-system"/>
-              </a:rPr>
-              <a:t>Trang Bui: </a:t>
-            </a:r>
-            <a:r>
-              <a:rPr lang="en-CA" i="0" dirty="0">
-                <a:effectLst/>
-                <a:latin typeface="-apple-system"/>
-              </a:rPr>
-              <a:t>Looking for Dataset + Data Pre-processing &amp; Exploration, ARIMA, LSTM models + coding combination and do conclusion.</a:t>
-            </a:r>
-          </a:p>
-          <a:p>
-            <a:pPr algn="l"/>
-            <a:r>
-              <a:rPr lang="en-CA" i="0" dirty="0">
-                <a:solidFill>
-                  <a:schemeClr val="accent1">
-                    <a:lumMod val="75000"/>
-                  </a:schemeClr>
-                </a:solidFill>
-                <a:effectLst/>
-                <a:latin typeface="-apple-system"/>
-              </a:rPr>
-              <a:t>Gurpreet</a:t>
-            </a:r>
-            <a:r>
-              <a:rPr lang="en-CA" i="0" dirty="0">
-                <a:effectLst/>
-                <a:latin typeface="-apple-system"/>
-              </a:rPr>
-              <a:t>: MA model</a:t>
-            </a:r>
-          </a:p>
-          <a:p>
-            <a:pPr algn="l"/>
-            <a:r>
-              <a:rPr lang="en-CA" i="0" dirty="0" err="1">
-                <a:solidFill>
-                  <a:schemeClr val="accent1">
-                    <a:lumMod val="75000"/>
-                  </a:schemeClr>
-                </a:solidFill>
-                <a:effectLst/>
-                <a:latin typeface="-apple-system"/>
-              </a:rPr>
-              <a:t>Arwinder</a:t>
-            </a:r>
-            <a:r>
-              <a:rPr lang="en-CA" i="0" dirty="0">
-                <a:effectLst/>
-                <a:latin typeface="-apple-system"/>
-              </a:rPr>
-              <a:t>: Exponential Smoothing (SES, DES, TES) model </a:t>
-            </a:r>
-          </a:p>
-          <a:p>
-            <a:pPr algn="l"/>
-            <a:r>
-              <a:rPr lang="en-CA" i="0" dirty="0" err="1">
-                <a:solidFill>
-                  <a:schemeClr val="accent1">
-                    <a:lumMod val="75000"/>
-                  </a:schemeClr>
-                </a:solidFill>
-                <a:effectLst/>
-                <a:latin typeface="-apple-system"/>
-              </a:rPr>
-              <a:t>Sowjanja</a:t>
-            </a:r>
-            <a:r>
-              <a:rPr lang="en-CA" i="0" dirty="0">
-                <a:effectLst/>
-                <a:latin typeface="-apple-system"/>
-              </a:rPr>
-              <a:t>: ML models</a:t>
-            </a:r>
-          </a:p>
-          <a:p>
-            <a:pPr algn="l"/>
-            <a:r>
-              <a:rPr lang="en-CA" i="0" dirty="0">
-                <a:solidFill>
-                  <a:schemeClr val="accent1">
-                    <a:lumMod val="75000"/>
-                  </a:schemeClr>
-                </a:solidFill>
-                <a:effectLst/>
-                <a:latin typeface="-apple-system"/>
-              </a:rPr>
-              <a:t>Sriram</a:t>
-            </a:r>
-            <a:r>
-              <a:rPr lang="en-CA" i="0" dirty="0">
-                <a:effectLst/>
-                <a:latin typeface="-apple-system"/>
-              </a:rPr>
-              <a:t>: ML models </a:t>
-            </a:r>
-          </a:p>
-          <a:p>
             <a:pPr>
               <a:lnSpc>
                 <a:spcPct val="90000"/>
@@ -14043,12 +14123,23 @@
             </a:pPr>
             <a:endParaRPr lang="en-US" dirty="0"/>
           </a:p>
+          <a:p>
+            <a:pPr>
+              <a:lnSpc>
+                <a:spcPct val="90000"/>
+              </a:lnSpc>
+            </a:pPr>
+            <a:r>
+              <a:rPr lang="en-US" dirty="0"/>
+              <a:t>In this project, we practiced again all learnt time-series methods for sales forecast that is a small part of supply chain analytics. The best model is good for train and test phases within sample data. However, we cannot evaluate for out-of-sample case. Therefore, more training data is expected so that the model can learn more the trend and seasonal feature in time-series data and do forecasting better. </a:t>
+            </a:r>
+          </a:p>
         </p:txBody>
       </p:sp>
     </p:spTree>
     <p:extLst>
       <p:ext uri="{BB962C8B-B14F-4D97-AF65-F5344CB8AC3E}">
-        <p14:creationId xmlns:p14="http://schemas.microsoft.com/office/powerpoint/2010/main" val="1625527143"/>
+        <p14:creationId xmlns:p14="http://schemas.microsoft.com/office/powerpoint/2010/main" val="1754980733"/>
       </p:ext>
     </p:extLst>
   </p:cSld>
@@ -14098,7 +14189,7 @@
           <a:p>
             <a:r>
               <a:rPr lang="en-US" dirty="0"/>
-              <a:t>7. Q&amp;A</a:t>
+              <a:t>6. Q&amp;A</a:t>
             </a:r>
           </a:p>
         </p:txBody>
@@ -14173,6 +14264,218 @@
           <p:cNvPr id="2" name="Title 1">
             <a:extLst>
               <a:ext uri="{FF2B5EF4-FFF2-40B4-BE49-F238E27FC236}">
+                <a16:creationId xmlns:a16="http://schemas.microsoft.com/office/drawing/2014/main" id="{F24765FE-5DC8-4FFF-A1C7-4CC710B3D073}"/>
+              </a:ext>
+            </a:extLst>
+          </p:cNvPr>
+          <p:cNvSpPr>
+            <a:spLocks noGrp="1"/>
+          </p:cNvSpPr>
+          <p:nvPr>
+            <p:ph type="ctrTitle"/>
+          </p:nvPr>
+        </p:nvSpPr>
+        <p:spPr>
+          <a:xfrm>
+            <a:off x="315913" y="466725"/>
+            <a:ext cx="6781800" cy="2133600"/>
+          </a:xfrm>
+        </p:spPr>
+        <p:txBody>
+          <a:bodyPr wrap="square" anchor="b">
+            <a:normAutofit/>
+          </a:bodyPr>
+          <a:lstStyle/>
+          <a:p>
+            <a:r>
+              <a:rPr lang="en-US" dirty="0"/>
+              <a:t>Contribution</a:t>
+            </a:r>
+          </a:p>
+        </p:txBody>
+      </p:sp>
+      <p:sp>
+        <p:nvSpPr>
+          <p:cNvPr id="3" name="Content Placeholder 2">
+            <a:extLst>
+              <a:ext uri="{FF2B5EF4-FFF2-40B4-BE49-F238E27FC236}">
+                <a16:creationId xmlns:a16="http://schemas.microsoft.com/office/drawing/2014/main" id="{C4DFD893-57C4-4127-A79D-AC2307C2C10F}"/>
+              </a:ext>
+            </a:extLst>
+          </p:cNvPr>
+          <p:cNvSpPr>
+            <a:spLocks noGrp="1"/>
+          </p:cNvSpPr>
+          <p:nvPr>
+            <p:ph type="subTitle" idx="1"/>
+          </p:nvPr>
+        </p:nvSpPr>
+        <p:spPr>
+          <a:xfrm>
+            <a:off x="849313" y="3049588"/>
+            <a:ext cx="6248400" cy="2362200"/>
+          </a:xfrm>
+        </p:spPr>
+        <p:txBody>
+          <a:bodyPr wrap="square" anchor="t">
+            <a:normAutofit fontScale="70000" lnSpcReduction="20000"/>
+          </a:bodyPr>
+          <a:lstStyle/>
+          <a:p>
+            <a:pPr algn="l"/>
+            <a:r>
+              <a:rPr lang="en-CA" i="0" dirty="0">
+                <a:solidFill>
+                  <a:schemeClr val="accent1">
+                    <a:lumMod val="75000"/>
+                  </a:schemeClr>
+                </a:solidFill>
+                <a:effectLst/>
+                <a:latin typeface="-apple-system"/>
+              </a:rPr>
+              <a:t>Trang Bui: </a:t>
+            </a:r>
+            <a:r>
+              <a:rPr lang="en-CA" i="0" dirty="0">
+                <a:effectLst/>
+                <a:latin typeface="-apple-system"/>
+              </a:rPr>
+              <a:t>Looking for Dataset + Data Pre-processing &amp; Exploration, ARIMA, LSTM models + coding combination and do conclusion.</a:t>
+            </a:r>
+          </a:p>
+          <a:p>
+            <a:pPr algn="l"/>
+            <a:r>
+              <a:rPr lang="en-CA" i="0" dirty="0">
+                <a:solidFill>
+                  <a:schemeClr val="accent1">
+                    <a:lumMod val="75000"/>
+                  </a:schemeClr>
+                </a:solidFill>
+                <a:effectLst/>
+                <a:latin typeface="-apple-system"/>
+              </a:rPr>
+              <a:t>Gurpreet</a:t>
+            </a:r>
+            <a:r>
+              <a:rPr lang="en-CA" i="0" dirty="0">
+                <a:effectLst/>
+                <a:latin typeface="-apple-system"/>
+              </a:rPr>
+              <a:t>: MA model</a:t>
+            </a:r>
+          </a:p>
+          <a:p>
+            <a:pPr algn="l"/>
+            <a:r>
+              <a:rPr lang="en-CA" i="0" dirty="0" err="1">
+                <a:solidFill>
+                  <a:schemeClr val="accent1">
+                    <a:lumMod val="75000"/>
+                  </a:schemeClr>
+                </a:solidFill>
+                <a:effectLst/>
+                <a:latin typeface="-apple-system"/>
+              </a:rPr>
+              <a:t>Arwinder</a:t>
+            </a:r>
+            <a:r>
+              <a:rPr lang="en-CA" i="0" dirty="0">
+                <a:effectLst/>
+                <a:latin typeface="-apple-system"/>
+              </a:rPr>
+              <a:t>: Exponential Smoothing (SES, DES, TES) model </a:t>
+            </a:r>
+          </a:p>
+          <a:p>
+            <a:pPr algn="l"/>
+            <a:r>
+              <a:rPr lang="en-CA" i="0" dirty="0" err="1">
+                <a:solidFill>
+                  <a:schemeClr val="accent1">
+                    <a:lumMod val="75000"/>
+                  </a:schemeClr>
+                </a:solidFill>
+                <a:effectLst/>
+                <a:latin typeface="-apple-system"/>
+              </a:rPr>
+              <a:t>Sowjanja</a:t>
+            </a:r>
+            <a:r>
+              <a:rPr lang="en-CA" i="0" dirty="0">
+                <a:effectLst/>
+                <a:latin typeface="-apple-system"/>
+              </a:rPr>
+              <a:t>: ML models</a:t>
+            </a:r>
+          </a:p>
+          <a:p>
+            <a:pPr algn="l"/>
+            <a:r>
+              <a:rPr lang="en-CA" i="0" dirty="0">
+                <a:solidFill>
+                  <a:schemeClr val="accent1">
+                    <a:lumMod val="75000"/>
+                  </a:schemeClr>
+                </a:solidFill>
+                <a:effectLst/>
+                <a:latin typeface="-apple-system"/>
+              </a:rPr>
+              <a:t>Sriram</a:t>
+            </a:r>
+            <a:r>
+              <a:rPr lang="en-CA" i="0" dirty="0">
+                <a:effectLst/>
+                <a:latin typeface="-apple-system"/>
+              </a:rPr>
+              <a:t>: ML models </a:t>
+            </a:r>
+          </a:p>
+          <a:p>
+            <a:pPr>
+              <a:lnSpc>
+                <a:spcPct val="90000"/>
+              </a:lnSpc>
+            </a:pPr>
+            <a:endParaRPr lang="en-US" dirty="0"/>
+          </a:p>
+        </p:txBody>
+      </p:sp>
+    </p:spTree>
+    <p:extLst>
+      <p:ext uri="{BB962C8B-B14F-4D97-AF65-F5344CB8AC3E}">
+        <p14:creationId xmlns:p14="http://schemas.microsoft.com/office/powerpoint/2010/main" val="1625527143"/>
+      </p:ext>
+    </p:extLst>
+  </p:cSld>
+  <p:clrMapOvr>
+    <a:masterClrMapping/>
+  </p:clrMapOvr>
+</p:sld>
+</file>
+
+<file path=ppt/slides/slide3.xml><?xml version="1.0" encoding="utf-8"?>
+<p:sld xmlns:a="http://schemas.openxmlformats.org/drawingml/2006/main" xmlns:r="http://schemas.openxmlformats.org/officeDocument/2006/relationships" xmlns:p="http://schemas.openxmlformats.org/presentationml/2006/main">
+  <p:cSld>
+    <p:spTree>
+      <p:nvGrpSpPr>
+        <p:cNvPr id="1" name=""/>
+        <p:cNvGrpSpPr/>
+        <p:nvPr/>
+      </p:nvGrpSpPr>
+      <p:grpSpPr>
+        <a:xfrm>
+          <a:off x="0" y="0"/>
+          <a:ext cx="0" cy="0"/>
+          <a:chOff x="0" y="0"/>
+          <a:chExt cx="0" cy="0"/>
+        </a:xfrm>
+      </p:grpSpPr>
+      <p:sp>
+        <p:nvSpPr>
+          <p:cNvPr id="2" name="Title 1">
+            <a:extLst>
+              <a:ext uri="{FF2B5EF4-FFF2-40B4-BE49-F238E27FC236}">
                 <a16:creationId xmlns:a16="http://schemas.microsoft.com/office/drawing/2014/main" id="{1EE2B656-4656-4646-A221-7C30814F2E69}"/>
               </a:ext>
             </a:extLst>
@@ -14216,7 +14519,7 @@
         <p:spPr/>
         <p:txBody>
           <a:bodyPr>
-            <a:normAutofit fontScale="85000" lnSpcReduction="20000"/>
+            <a:normAutofit fontScale="85000" lnSpcReduction="10000"/>
           </a:bodyPr>
           <a:lstStyle/>
           <a:p>
@@ -14313,10 +14616,9 @@
               <a:buNone/>
             </a:pPr>
             <a:r>
-              <a:rPr lang="en-US" sz="1700"/>
+              <a:rPr lang="en-US" sz="1700" dirty="0"/>
               <a:t>3.4 ARIMA</a:t>
             </a:r>
-            <a:endParaRPr lang="en-US" sz="1700" dirty="0"/>
           </a:p>
           <a:p>
             <a:pPr lvl="1" indent="0">
@@ -14345,16 +14647,6 @@
             <a:r>
               <a:rPr lang="en-US" sz="1900" dirty="0"/>
               <a:t>Conclusion</a:t>
-            </a:r>
-          </a:p>
-          <a:p>
-            <a:pPr marL="560070" indent="-514350">
-              <a:buFont typeface="+mj-lt"/>
-              <a:buAutoNum type="arabicPeriod"/>
-            </a:pPr>
-            <a:r>
-              <a:rPr lang="en-US" sz="1900" dirty="0"/>
-              <a:t>Contribution</a:t>
             </a:r>
           </a:p>
           <a:p>
@@ -14394,7 +14686,7 @@
 </p:sld>
 </file>
 
-<file path=ppt/slides/slide3.xml><?xml version="1.0" encoding="utf-8"?>
+<file path=ppt/slides/slide4.xml><?xml version="1.0" encoding="utf-8"?>
 <p:sld xmlns:a="http://schemas.openxmlformats.org/drawingml/2006/main" xmlns:r="http://schemas.openxmlformats.org/officeDocument/2006/relationships" xmlns:p="http://schemas.openxmlformats.org/presentationml/2006/main">
   <p:cSld>
     <p:spTree>
@@ -14497,212 +14789,6 @@
 </p:sld>
 </file>
 
-<file path=ppt/slides/slide4.xml><?xml version="1.0" encoding="utf-8"?>
-<p:sld xmlns:a="http://schemas.openxmlformats.org/drawingml/2006/main" xmlns:r="http://schemas.openxmlformats.org/officeDocument/2006/relationships" xmlns:p="http://schemas.openxmlformats.org/presentationml/2006/main">
-  <p:cSld>
-    <p:spTree>
-      <p:nvGrpSpPr>
-        <p:cNvPr id="1" name=""/>
-        <p:cNvGrpSpPr/>
-        <p:nvPr/>
-      </p:nvGrpSpPr>
-      <p:grpSpPr>
-        <a:xfrm>
-          <a:off x="0" y="0"/>
-          <a:ext cx="0" cy="0"/>
-          <a:chOff x="0" y="0"/>
-          <a:chExt cx="0" cy="0"/>
-        </a:xfrm>
-      </p:grpSpPr>
-      <p:sp>
-        <p:nvSpPr>
-          <p:cNvPr id="2" name="Title 1">
-            <a:extLst>
-              <a:ext uri="{FF2B5EF4-FFF2-40B4-BE49-F238E27FC236}">
-                <a16:creationId xmlns:a16="http://schemas.microsoft.com/office/drawing/2014/main" id="{134F8B17-CA98-41AD-988B-68DA804E97D8}"/>
-              </a:ext>
-            </a:extLst>
-          </p:cNvPr>
-          <p:cNvSpPr>
-            <a:spLocks noGrp="1"/>
-          </p:cNvSpPr>
-          <p:nvPr>
-            <p:ph type="title"/>
-          </p:nvPr>
-        </p:nvSpPr>
-        <p:spPr/>
-        <p:txBody>
-          <a:bodyPr/>
-          <a:lstStyle/>
-          <a:p>
-            <a:r>
-              <a:rPr lang="en-US" sz="3200" dirty="0"/>
-              <a:t>2.1 Time-series data introduction</a:t>
-            </a:r>
-          </a:p>
-        </p:txBody>
-      </p:sp>
-      <p:sp>
-        <p:nvSpPr>
-          <p:cNvPr id="3" name="Content Placeholder 2">
-            <a:extLst>
-              <a:ext uri="{FF2B5EF4-FFF2-40B4-BE49-F238E27FC236}">
-                <a16:creationId xmlns:a16="http://schemas.microsoft.com/office/drawing/2014/main" id="{4488E470-4D18-4400-AE5B-F1B78BA44AD5}"/>
-              </a:ext>
-            </a:extLst>
-          </p:cNvPr>
-          <p:cNvSpPr>
-            <a:spLocks noGrp="1"/>
-          </p:cNvSpPr>
-          <p:nvPr>
-            <p:ph idx="1"/>
-          </p:nvPr>
-        </p:nvSpPr>
-        <p:spPr/>
-        <p:txBody>
-          <a:bodyPr>
-            <a:normAutofit fontScale="92500" lnSpcReduction="10000"/>
-          </a:bodyPr>
-          <a:lstStyle/>
-          <a:p>
-            <a:endParaRPr lang="en-US" sz="1500" dirty="0"/>
-          </a:p>
-          <a:p>
-            <a:pPr marL="502920" indent="-457200">
-              <a:buFont typeface="Wingdings" panose="05000000000000000000" pitchFamily="2" charset="2"/>
-              <a:buChar char="v"/>
-            </a:pPr>
-            <a:r>
-              <a:rPr lang="en-US" sz="1500" dirty="0"/>
-              <a:t>What is time-series data?</a:t>
-            </a:r>
-          </a:p>
-          <a:p>
-            <a:pPr lvl="1"/>
-            <a:r>
-              <a:rPr lang="en-US" sz="1500" dirty="0"/>
-              <a:t>A series of data points taken from the same source and measured and ordered over a period of time.</a:t>
-            </a:r>
-          </a:p>
-          <a:p>
-            <a:pPr lvl="1"/>
-            <a:r>
-              <a:rPr lang="en-US" sz="1500" dirty="0"/>
-              <a:t>Time-series data can be classified into two types: </a:t>
-            </a:r>
-          </a:p>
-          <a:p>
-            <a:pPr lvl="2"/>
-            <a:r>
-              <a:rPr lang="en-US" sz="1300" dirty="0"/>
-              <a:t>regular time intervals (metrics)</a:t>
-            </a:r>
-          </a:p>
-          <a:p>
-            <a:pPr lvl="2"/>
-            <a:r>
-              <a:rPr lang="en-US" sz="1300" dirty="0"/>
-              <a:t>irregular time intervals (events)</a:t>
-            </a:r>
-          </a:p>
-          <a:p>
-            <a:pPr marL="502920" indent="-457200">
-              <a:buFont typeface="Wingdings" panose="05000000000000000000" pitchFamily="2" charset="2"/>
-              <a:buChar char="v"/>
-            </a:pPr>
-            <a:r>
-              <a:rPr lang="en-US" sz="1500" dirty="0"/>
-              <a:t>Time-series data components?</a:t>
-            </a:r>
-          </a:p>
-          <a:p>
-            <a:pPr lvl="1"/>
-            <a:r>
-              <a:rPr lang="en-US" sz="1500" dirty="0"/>
-              <a:t>Trend: movement along the term</a:t>
-            </a:r>
-          </a:p>
-          <a:p>
-            <a:pPr lvl="1"/>
-            <a:r>
-              <a:rPr lang="en-US" sz="1500" dirty="0"/>
-              <a:t>Seasonality: seasonal changes</a:t>
-            </a:r>
-          </a:p>
-          <a:p>
-            <a:pPr lvl="1"/>
-            <a:r>
-              <a:rPr lang="en-US" sz="1500" dirty="0"/>
-              <a:t>Cyclicity: change repeat over a certain time</a:t>
-            </a:r>
-          </a:p>
-          <a:p>
-            <a:pPr lvl="1"/>
-            <a:r>
-              <a:rPr lang="en-US" sz="1500" dirty="0"/>
-              <a:t>Residual: irregular variations</a:t>
-            </a:r>
-          </a:p>
-          <a:p>
-            <a:pPr marL="502920" indent="-457200">
-              <a:buFont typeface="Wingdings" panose="05000000000000000000" pitchFamily="2" charset="2"/>
-              <a:buChar char="v"/>
-            </a:pPr>
-            <a:r>
-              <a:rPr lang="en-US" sz="1500" dirty="0"/>
-              <a:t>Time-series is usually used for some analysis applications</a:t>
-            </a:r>
-          </a:p>
-          <a:p>
-            <a:pPr lvl="1"/>
-            <a:r>
-              <a:rPr lang="en-US" sz="1500" dirty="0"/>
-              <a:t>Stock price</a:t>
-            </a:r>
-          </a:p>
-          <a:p>
-            <a:pPr lvl="1"/>
-            <a:r>
-              <a:rPr lang="en-US" sz="1500" dirty="0"/>
-              <a:t>Exchange Rate, interest rate </a:t>
-            </a:r>
-          </a:p>
-          <a:p>
-            <a:pPr lvl="1"/>
-            <a:r>
-              <a:rPr lang="en-US" sz="1500" dirty="0"/>
-              <a:t>Retail Sales</a:t>
-            </a:r>
-          </a:p>
-          <a:p>
-            <a:pPr lvl="1"/>
-            <a:r>
-              <a:rPr lang="en-US" sz="1500" dirty="0"/>
-              <a:t>Power Consumptions / Demand</a:t>
-            </a:r>
-          </a:p>
-          <a:p>
-            <a:pPr lvl="1"/>
-            <a:r>
-              <a:rPr lang="en-US" sz="1500" dirty="0"/>
-              <a:t>Etc. </a:t>
-            </a:r>
-          </a:p>
-        </p:txBody>
-      </p:sp>
-    </p:spTree>
-    <p:extLst>
-      <p:ext uri="{BB962C8B-B14F-4D97-AF65-F5344CB8AC3E}">
-        <p14:creationId xmlns:p14="http://schemas.microsoft.com/office/powerpoint/2010/main" val="3392015064"/>
-      </p:ext>
-    </p:extLst>
-  </p:cSld>
-  <p:clrMapOvr>
-    <a:masterClrMapping/>
-  </p:clrMapOvr>
-</p:sld>
-</file>
-
 <file path=ppt/slides/slide5.xml><?xml version="1.0" encoding="utf-8"?>
 <p:sld xmlns:a="http://schemas.openxmlformats.org/drawingml/2006/main" xmlns:r="http://schemas.openxmlformats.org/officeDocument/2006/relationships" xmlns:p="http://schemas.openxmlformats.org/presentationml/2006/main">
   <p:cSld>
@@ -14743,6 +14829,212 @@
           <a:p>
             <a:r>
               <a:rPr lang="en-US" sz="3200" dirty="0"/>
+              <a:t>2.1 Time-series data introduction</a:t>
+            </a:r>
+          </a:p>
+        </p:txBody>
+      </p:sp>
+      <p:sp>
+        <p:nvSpPr>
+          <p:cNvPr id="3" name="Content Placeholder 2">
+            <a:extLst>
+              <a:ext uri="{FF2B5EF4-FFF2-40B4-BE49-F238E27FC236}">
+                <a16:creationId xmlns:a16="http://schemas.microsoft.com/office/drawing/2014/main" id="{4488E470-4D18-4400-AE5B-F1B78BA44AD5}"/>
+              </a:ext>
+            </a:extLst>
+          </p:cNvPr>
+          <p:cNvSpPr>
+            <a:spLocks noGrp="1"/>
+          </p:cNvSpPr>
+          <p:nvPr>
+            <p:ph idx="1"/>
+          </p:nvPr>
+        </p:nvSpPr>
+        <p:spPr/>
+        <p:txBody>
+          <a:bodyPr>
+            <a:normAutofit fontScale="92500" lnSpcReduction="10000"/>
+          </a:bodyPr>
+          <a:lstStyle/>
+          <a:p>
+            <a:endParaRPr lang="en-US" sz="1500" dirty="0"/>
+          </a:p>
+          <a:p>
+            <a:pPr marL="502920" indent="-457200">
+              <a:buFont typeface="Wingdings" panose="05000000000000000000" pitchFamily="2" charset="2"/>
+              <a:buChar char="v"/>
+            </a:pPr>
+            <a:r>
+              <a:rPr lang="en-US" sz="1500" dirty="0"/>
+              <a:t>What is time-series data?</a:t>
+            </a:r>
+          </a:p>
+          <a:p>
+            <a:pPr lvl="1"/>
+            <a:r>
+              <a:rPr lang="en-US" sz="1500" dirty="0"/>
+              <a:t>A series of data points taken from the same source and measured and ordered over a period of time.</a:t>
+            </a:r>
+          </a:p>
+          <a:p>
+            <a:pPr lvl="1"/>
+            <a:r>
+              <a:rPr lang="en-US" sz="1500" dirty="0"/>
+              <a:t>Time-series data can be classified into two types: </a:t>
+            </a:r>
+          </a:p>
+          <a:p>
+            <a:pPr lvl="2"/>
+            <a:r>
+              <a:rPr lang="en-US" sz="1300" dirty="0"/>
+              <a:t>regular time intervals (metrics)</a:t>
+            </a:r>
+          </a:p>
+          <a:p>
+            <a:pPr lvl="2"/>
+            <a:r>
+              <a:rPr lang="en-US" sz="1300" dirty="0"/>
+              <a:t>irregular time intervals (events)</a:t>
+            </a:r>
+          </a:p>
+          <a:p>
+            <a:pPr marL="502920" indent="-457200">
+              <a:buFont typeface="Wingdings" panose="05000000000000000000" pitchFamily="2" charset="2"/>
+              <a:buChar char="v"/>
+            </a:pPr>
+            <a:r>
+              <a:rPr lang="en-US" sz="1500" dirty="0"/>
+              <a:t>Time-series data components?</a:t>
+            </a:r>
+          </a:p>
+          <a:p>
+            <a:pPr lvl="1"/>
+            <a:r>
+              <a:rPr lang="en-US" sz="1500" dirty="0"/>
+              <a:t>Trend: movement along the term</a:t>
+            </a:r>
+          </a:p>
+          <a:p>
+            <a:pPr lvl="1"/>
+            <a:r>
+              <a:rPr lang="en-US" sz="1500" dirty="0"/>
+              <a:t>Seasonality: seasonal changes</a:t>
+            </a:r>
+          </a:p>
+          <a:p>
+            <a:pPr lvl="1"/>
+            <a:r>
+              <a:rPr lang="en-US" sz="1500" dirty="0"/>
+              <a:t>Cyclicity: change repeat over a certain time</a:t>
+            </a:r>
+          </a:p>
+          <a:p>
+            <a:pPr lvl="1"/>
+            <a:r>
+              <a:rPr lang="en-US" sz="1500" dirty="0"/>
+              <a:t>Residual: irregular variations</a:t>
+            </a:r>
+          </a:p>
+          <a:p>
+            <a:pPr marL="502920" indent="-457200">
+              <a:buFont typeface="Wingdings" panose="05000000000000000000" pitchFamily="2" charset="2"/>
+              <a:buChar char="v"/>
+            </a:pPr>
+            <a:r>
+              <a:rPr lang="en-US" sz="1500" dirty="0"/>
+              <a:t>Time-series is usually used for some analysis applications</a:t>
+            </a:r>
+          </a:p>
+          <a:p>
+            <a:pPr lvl="1"/>
+            <a:r>
+              <a:rPr lang="en-US" sz="1500" dirty="0"/>
+              <a:t>Stock price</a:t>
+            </a:r>
+          </a:p>
+          <a:p>
+            <a:pPr lvl="1"/>
+            <a:r>
+              <a:rPr lang="en-US" sz="1500" dirty="0"/>
+              <a:t>Exchange Rate, interest rate </a:t>
+            </a:r>
+          </a:p>
+          <a:p>
+            <a:pPr lvl="1"/>
+            <a:r>
+              <a:rPr lang="en-US" sz="1500" dirty="0"/>
+              <a:t>Retail Sales</a:t>
+            </a:r>
+          </a:p>
+          <a:p>
+            <a:pPr lvl="1"/>
+            <a:r>
+              <a:rPr lang="en-US" sz="1500" dirty="0"/>
+              <a:t>Power Consumptions / Demand</a:t>
+            </a:r>
+          </a:p>
+          <a:p>
+            <a:pPr lvl="1"/>
+            <a:r>
+              <a:rPr lang="en-US" sz="1500" dirty="0"/>
+              <a:t>Etc. </a:t>
+            </a:r>
+          </a:p>
+        </p:txBody>
+      </p:sp>
+    </p:spTree>
+    <p:extLst>
+      <p:ext uri="{BB962C8B-B14F-4D97-AF65-F5344CB8AC3E}">
+        <p14:creationId xmlns:p14="http://schemas.microsoft.com/office/powerpoint/2010/main" val="3392015064"/>
+      </p:ext>
+    </p:extLst>
+  </p:cSld>
+  <p:clrMapOvr>
+    <a:masterClrMapping/>
+  </p:clrMapOvr>
+</p:sld>
+</file>
+
+<file path=ppt/slides/slide6.xml><?xml version="1.0" encoding="utf-8"?>
+<p:sld xmlns:a="http://schemas.openxmlformats.org/drawingml/2006/main" xmlns:r="http://schemas.openxmlformats.org/officeDocument/2006/relationships" xmlns:p="http://schemas.openxmlformats.org/presentationml/2006/main">
+  <p:cSld>
+    <p:spTree>
+      <p:nvGrpSpPr>
+        <p:cNvPr id="1" name=""/>
+        <p:cNvGrpSpPr/>
+        <p:nvPr/>
+      </p:nvGrpSpPr>
+      <p:grpSpPr>
+        <a:xfrm>
+          <a:off x="0" y="0"/>
+          <a:ext cx="0" cy="0"/>
+          <a:chOff x="0" y="0"/>
+          <a:chExt cx="0" cy="0"/>
+        </a:xfrm>
+      </p:grpSpPr>
+      <p:sp>
+        <p:nvSpPr>
+          <p:cNvPr id="2" name="Title 1">
+            <a:extLst>
+              <a:ext uri="{FF2B5EF4-FFF2-40B4-BE49-F238E27FC236}">
+                <a16:creationId xmlns:a16="http://schemas.microsoft.com/office/drawing/2014/main" id="{134F8B17-CA98-41AD-988B-68DA804E97D8}"/>
+              </a:ext>
+            </a:extLst>
+          </p:cNvPr>
+          <p:cNvSpPr>
+            <a:spLocks noGrp="1"/>
+          </p:cNvSpPr>
+          <p:nvPr>
+            <p:ph type="title"/>
+          </p:nvPr>
+        </p:nvSpPr>
+        <p:spPr/>
+        <p:txBody>
+          <a:bodyPr/>
+          <a:lstStyle/>
+          <a:p>
+            <a:r>
+              <a:rPr lang="en-US" sz="3200" dirty="0"/>
               <a:t>2.2 Dataset</a:t>
             </a:r>
           </a:p>
@@ -14872,7 +15164,7 @@
 </p:sld>
 </file>
 
-<file path=ppt/slides/slide6.xml><?xml version="1.0" encoding="utf-8"?>
+<file path=ppt/slides/slide7.xml><?xml version="1.0" encoding="utf-8"?>
 <p:sld xmlns:a="http://schemas.openxmlformats.org/drawingml/2006/main" xmlns:r="http://schemas.openxmlformats.org/officeDocument/2006/relationships" xmlns:p="http://schemas.openxmlformats.org/presentationml/2006/main">
   <p:cSld>
     <p:spTree>
@@ -15095,152 +15387,6 @@
 </p:sld>
 </file>
 
-<file path=ppt/slides/slide7.xml><?xml version="1.0" encoding="utf-8"?>
-<p:sld xmlns:a="http://schemas.openxmlformats.org/drawingml/2006/main" xmlns:r="http://schemas.openxmlformats.org/officeDocument/2006/relationships" xmlns:p="http://schemas.openxmlformats.org/presentationml/2006/main">
-  <p:cSld>
-    <p:spTree>
-      <p:nvGrpSpPr>
-        <p:cNvPr id="1" name=""/>
-        <p:cNvGrpSpPr/>
-        <p:nvPr/>
-      </p:nvGrpSpPr>
-      <p:grpSpPr>
-        <a:xfrm>
-          <a:off x="0" y="0"/>
-          <a:ext cx="0" cy="0"/>
-          <a:chOff x="0" y="0"/>
-          <a:chExt cx="0" cy="0"/>
-        </a:xfrm>
-      </p:grpSpPr>
-      <p:sp>
-        <p:nvSpPr>
-          <p:cNvPr id="2" name="Title 1">
-            <a:extLst>
-              <a:ext uri="{FF2B5EF4-FFF2-40B4-BE49-F238E27FC236}">
-                <a16:creationId xmlns:a16="http://schemas.microsoft.com/office/drawing/2014/main" id="{D86294C1-FB65-4366-A83A-341A46390349}"/>
-              </a:ext>
-            </a:extLst>
-          </p:cNvPr>
-          <p:cNvSpPr>
-            <a:spLocks noGrp="1"/>
-          </p:cNvSpPr>
-          <p:nvPr>
-            <p:ph type="title"/>
-          </p:nvPr>
-        </p:nvSpPr>
-        <p:spPr/>
-        <p:txBody>
-          <a:bodyPr/>
-          <a:lstStyle/>
-          <a:p>
-            <a:r>
-              <a:rPr lang="en-US" sz="3200" dirty="0"/>
-              <a:t>3. Time-series data </a:t>
-            </a:r>
-            <a:br>
-              <a:rPr lang="en-US" sz="3200" dirty="0"/>
-            </a:br>
-            <a:r>
-              <a:rPr lang="en-US" sz="3200" dirty="0"/>
-              <a:t>	analysis techniques</a:t>
-            </a:r>
-          </a:p>
-        </p:txBody>
-      </p:sp>
-      <p:sp>
-        <p:nvSpPr>
-          <p:cNvPr id="3" name="Content Placeholder 2">
-            <a:extLst>
-              <a:ext uri="{FF2B5EF4-FFF2-40B4-BE49-F238E27FC236}">
-                <a16:creationId xmlns:a16="http://schemas.microsoft.com/office/drawing/2014/main" id="{51262635-0730-4040-88A7-C9E553A5898C}"/>
-              </a:ext>
-            </a:extLst>
-          </p:cNvPr>
-          <p:cNvSpPr>
-            <a:spLocks noGrp="1"/>
-          </p:cNvSpPr>
-          <p:nvPr>
-            <p:ph idx="1"/>
-          </p:nvPr>
-        </p:nvSpPr>
-        <p:spPr/>
-        <p:txBody>
-          <a:bodyPr/>
-          <a:lstStyle/>
-          <a:p>
-            <a:pPr marL="560070" indent="-514350">
-              <a:buAutoNum type="arabicPeriod"/>
-            </a:pPr>
-            <a:endParaRPr lang="en-US" dirty="0"/>
-          </a:p>
-          <a:p>
-            <a:pPr marL="560070" indent="-514350">
-              <a:buFont typeface="Wingdings" panose="05000000000000000000" pitchFamily="2" charset="2"/>
-              <a:buChar char="Ø"/>
-            </a:pPr>
-            <a:r>
-              <a:rPr lang="en-US" dirty="0"/>
-              <a:t>Moving Average</a:t>
-            </a:r>
-          </a:p>
-          <a:p>
-            <a:pPr marL="560070" indent="-514350">
-              <a:buFont typeface="Wingdings" panose="05000000000000000000" pitchFamily="2" charset="2"/>
-              <a:buChar char="Ø"/>
-            </a:pPr>
-            <a:r>
-              <a:rPr lang="en-US" dirty="0"/>
-              <a:t>Exponential Smoothing</a:t>
-            </a:r>
-          </a:p>
-          <a:p>
-            <a:pPr marL="560070" indent="-514350">
-              <a:buFont typeface="Wingdings" panose="05000000000000000000" pitchFamily="2" charset="2"/>
-              <a:buChar char="Ø"/>
-            </a:pPr>
-            <a:r>
-              <a:rPr lang="en-US" dirty="0"/>
-              <a:t>Linear Regression ML models</a:t>
-            </a:r>
-          </a:p>
-          <a:p>
-            <a:pPr marL="560070" indent="-514350">
-              <a:buFont typeface="Wingdings" panose="05000000000000000000" pitchFamily="2" charset="2"/>
-              <a:buChar char="Ø"/>
-            </a:pPr>
-            <a:r>
-              <a:rPr lang="en-US" dirty="0"/>
-              <a:t>ARIMA</a:t>
-            </a:r>
-          </a:p>
-          <a:p>
-            <a:pPr marL="560070" indent="-514350">
-              <a:buFont typeface="Wingdings" panose="05000000000000000000" pitchFamily="2" charset="2"/>
-              <a:buChar char="Ø"/>
-            </a:pPr>
-            <a:r>
-              <a:rPr lang="en-US" dirty="0"/>
-              <a:t>LSTM</a:t>
-            </a:r>
-          </a:p>
-          <a:p>
-            <a:endParaRPr lang="en-US" dirty="0"/>
-          </a:p>
-        </p:txBody>
-      </p:sp>
-    </p:spTree>
-    <p:extLst>
-      <p:ext uri="{BB962C8B-B14F-4D97-AF65-F5344CB8AC3E}">
-        <p14:creationId xmlns:p14="http://schemas.microsoft.com/office/powerpoint/2010/main" val="1283074937"/>
-      </p:ext>
-    </p:extLst>
-  </p:cSld>
-  <p:clrMapOvr>
-    <a:masterClrMapping/>
-  </p:clrMapOvr>
-</p:sld>
-</file>
-
 <file path=ppt/slides/slide8.xml><?xml version="1.0" encoding="utf-8"?>
 <p:sld xmlns:a="http://schemas.openxmlformats.org/drawingml/2006/main" xmlns:r="http://schemas.openxmlformats.org/officeDocument/2006/relationships" xmlns:p="http://schemas.openxmlformats.org/presentationml/2006/main">
   <p:cSld>
@@ -15274,21 +15420,21 @@
             <p:ph type="title"/>
           </p:nvPr>
         </p:nvSpPr>
-        <p:spPr>
-          <a:xfrm>
-            <a:off x="228600" y="228600"/>
-            <a:ext cx="7696200" cy="1295400"/>
-          </a:xfrm>
-        </p:spPr>
+        <p:spPr/>
         <p:txBody>
-          <a:bodyPr wrap="square" anchor="b">
-            <a:normAutofit/>
-          </a:bodyPr>
+          <a:bodyPr/>
           <a:lstStyle/>
           <a:p>
             <a:r>
-              <a:rPr lang="en-US"/>
-              <a:t>3.1. Moving Average</a:t>
+              <a:rPr lang="en-US" sz="3200" dirty="0"/>
+              <a:t>3. Time-series data </a:t>
+            </a:r>
+            <a:br>
+              <a:rPr lang="en-US" sz="3200" dirty="0"/>
+            </a:br>
+            <a:r>
+              <a:rPr lang="en-US" sz="3200" dirty="0"/>
+              <a:t>	analysis techniques</a:t>
             </a:r>
           </a:p>
         </p:txBody>
@@ -15306,120 +15452,78 @@
             <a:spLocks noGrp="1"/>
           </p:cNvSpPr>
           <p:nvPr>
-            <p:ph sz="half" idx="1"/>
+            <p:ph idx="1"/>
           </p:nvPr>
         </p:nvSpPr>
-        <p:spPr>
-          <a:xfrm>
-            <a:off x="1143000" y="1524000"/>
-            <a:ext cx="3132555" cy="4411663"/>
-          </a:xfrm>
-        </p:spPr>
+        <p:spPr/>
         <p:txBody>
-          <a:bodyPr wrap="square" anchor="t">
-            <a:normAutofit/>
-          </a:bodyPr>
+          <a:bodyPr/>
           <a:lstStyle/>
           <a:p>
-            <a:pPr>
-              <a:lnSpc>
-                <a:spcPct val="90000"/>
-              </a:lnSpc>
+            <a:pPr marL="560070" indent="-514350">
+              <a:buAutoNum type="arabicPeriod"/>
             </a:pPr>
-            <a:endParaRPr lang="en-US" sz="1500" dirty="0"/>
-          </a:p>
-          <a:p>
-            <a:pPr marL="502920" indent="-457200">
-              <a:lnSpc>
-                <a:spcPct val="90000"/>
-              </a:lnSpc>
-              <a:buFont typeface="Arial" panose="020B0604020202020204" pitchFamily="34" charset="0"/>
-              <a:buChar char="•"/>
+            <a:endParaRPr lang="en-US" dirty="0"/>
+          </a:p>
+          <a:p>
+            <a:pPr marL="560070" indent="-514350">
+              <a:buFont typeface="Wingdings" panose="05000000000000000000" pitchFamily="2" charset="2"/>
+              <a:buChar char="Ø"/>
             </a:pPr>
             <a:r>
-              <a:rPr lang="en-US" sz="1500" dirty="0"/>
-              <a:t>The simplest time-series forecasting model known as “rolling mean” and be calculated by average data of the time series in a certain time period.</a:t>
-            </a:r>
-          </a:p>
-          <a:p>
-            <a:pPr marL="502920" indent="-457200">
-              <a:lnSpc>
-                <a:spcPct val="90000"/>
-              </a:lnSpc>
-              <a:buFont typeface="Arial" panose="020B0604020202020204" pitchFamily="34" charset="0"/>
-              <a:buChar char="•"/>
+              <a:rPr lang="en-US" dirty="0"/>
+              <a:t>Moving Average</a:t>
+            </a:r>
+          </a:p>
+          <a:p>
+            <a:pPr marL="560070" indent="-514350">
+              <a:buFont typeface="Wingdings" panose="05000000000000000000" pitchFamily="2" charset="2"/>
+              <a:buChar char="Ø"/>
             </a:pPr>
             <a:r>
-              <a:rPr lang="en-US" sz="1500" dirty="0">
-                <a:effectLst/>
-              </a:rPr>
-              <a:t>In this project, the </a:t>
-            </a:r>
-            <a:r>
-              <a:rPr lang="en-US" sz="1500" dirty="0"/>
-              <a:t>sale forecast is the average of the demand during the last 12-months period.</a:t>
-            </a:r>
-          </a:p>
-          <a:p>
-            <a:pPr marL="502920" indent="-457200">
-              <a:lnSpc>
-                <a:spcPct val="90000"/>
-              </a:lnSpc>
-              <a:buFont typeface="Arial" panose="020B0604020202020204" pitchFamily="34" charset="0"/>
-              <a:buChar char="•"/>
+              <a:rPr lang="en-US" dirty="0"/>
+              <a:t>Exponential Smoothing</a:t>
+            </a:r>
+          </a:p>
+          <a:p>
+            <a:pPr marL="560070" indent="-514350">
+              <a:buFont typeface="Wingdings" panose="05000000000000000000" pitchFamily="2" charset="2"/>
+              <a:buChar char="Ø"/>
             </a:pPr>
             <a:r>
-              <a:rPr lang="en-US" sz="1500" dirty="0"/>
-              <a:t>The value obtained for MAE (Mean absolute error) is 62513.0 and MSE (Mean squared error) is 21124506200.28, respectively. The value obtained for RMSE (Root mean squared error) is 145342.72.</a:t>
-            </a:r>
-          </a:p>
-          <a:p>
-            <a:pPr marL="502920" indent="-457200">
-              <a:lnSpc>
-                <a:spcPct val="90000"/>
-              </a:lnSpc>
-              <a:buFont typeface="Arial" panose="020B0604020202020204" pitchFamily="34" charset="0"/>
-              <a:buChar char="•"/>
+              <a:rPr lang="en-US" dirty="0"/>
+              <a:t>Linear Regression ML models</a:t>
+            </a:r>
+          </a:p>
+          <a:p>
+            <a:pPr marL="560070" indent="-514350">
+              <a:buFont typeface="Wingdings" panose="05000000000000000000" pitchFamily="2" charset="2"/>
+              <a:buChar char="Ø"/>
             </a:pPr>
-            <a:endParaRPr lang="en-US" sz="1500" dirty="0"/>
+            <a:r>
+              <a:rPr lang="en-US" dirty="0"/>
+              <a:t>ARIMA</a:t>
+            </a:r>
+          </a:p>
+          <a:p>
+            <a:pPr marL="560070" indent="-514350">
+              <a:buFont typeface="Wingdings" panose="05000000000000000000" pitchFamily="2" charset="2"/>
+              <a:buChar char="Ø"/>
+            </a:pPr>
+            <a:r>
+              <a:rPr lang="en-US" dirty="0"/>
+              <a:t>LSTM</a:t>
+            </a:r>
+          </a:p>
+          <a:p>
+            <a:endParaRPr lang="en-US" dirty="0"/>
           </a:p>
         </p:txBody>
       </p:sp>
-      <p:pic>
-        <p:nvPicPr>
-          <p:cNvPr id="5" name="Picture 4">
-            <a:extLst>
-              <a:ext uri="{FF2B5EF4-FFF2-40B4-BE49-F238E27FC236}">
-                <a16:creationId xmlns:a16="http://schemas.microsoft.com/office/drawing/2014/main" id="{B1F05011-E96E-4D65-ADF9-1606143919A7}"/>
-              </a:ext>
-            </a:extLst>
-          </p:cNvPr>
-          <p:cNvPicPr>
-            <a:picLocks noChangeAspect="1"/>
-          </p:cNvPicPr>
-          <p:nvPr/>
-        </p:nvPicPr>
-        <p:blipFill>
-          <a:blip r:embed="rId2"/>
-          <a:stretch>
-            <a:fillRect/>
-          </a:stretch>
-        </p:blipFill>
-        <p:spPr>
-          <a:xfrm>
-            <a:off x="4247812" y="2420888"/>
-            <a:ext cx="4451406" cy="2448272"/>
-          </a:xfrm>
-          <a:prstGeom prst="rect">
-            <a:avLst/>
-          </a:prstGeom>
-          <a:noFill/>
-        </p:spPr>
-      </p:pic>
     </p:spTree>
     <p:extLst>
       <p:ext uri="{BB962C8B-B14F-4D97-AF65-F5344CB8AC3E}">
-        <p14:creationId xmlns:p14="http://schemas.microsoft.com/office/powerpoint/2010/main" val="1013225187"/>
+        <p14:creationId xmlns:p14="http://schemas.microsoft.com/office/powerpoint/2010/main" val="1283074937"/>
       </p:ext>
     </p:extLst>
   </p:cSld>
@@ -15464,8 +15568,8 @@
         </p:nvSpPr>
         <p:spPr>
           <a:xfrm>
-            <a:off x="457200" y="274638"/>
-            <a:ext cx="8229600" cy="1143000"/>
+            <a:off x="228600" y="228600"/>
+            <a:ext cx="7696200" cy="1295400"/>
           </a:xfrm>
         </p:spPr>
         <p:txBody>
@@ -15475,18 +15579,18 @@
           <a:lstStyle/>
           <a:p>
             <a:r>
-              <a:rPr lang="en-US" dirty="0"/>
-              <a:t>3.2. Exponential Smoothing</a:t>
+              <a:rPr lang="en-US"/>
+              <a:t>3.1. Moving Average</a:t>
             </a:r>
           </a:p>
         </p:txBody>
       </p:sp>
       <p:sp>
         <p:nvSpPr>
-          <p:cNvPr id="14" name="Text Placeholder 2">
+          <p:cNvPr id="3" name="Content Placeholder 2">
             <a:extLst>
               <a:ext uri="{FF2B5EF4-FFF2-40B4-BE49-F238E27FC236}">
-                <a16:creationId xmlns:a16="http://schemas.microsoft.com/office/drawing/2014/main" id="{43A5F099-7A7F-4B0C-9B00-87044B7B977A}"/>
+                <a16:creationId xmlns:a16="http://schemas.microsoft.com/office/drawing/2014/main" id="{51262635-0730-4040-88A7-C9E553A5898C}"/>
               </a:ext>
             </a:extLst>
           </p:cNvPr>
@@ -15494,40 +15598,30 @@
             <a:spLocks noGrp="1"/>
           </p:cNvSpPr>
           <p:nvPr>
-            <p:ph type="body" idx="1"/>
+            <p:ph sz="half" idx="1"/>
           </p:nvPr>
         </p:nvSpPr>
         <p:spPr>
           <a:xfrm>
-            <a:off x="530225" y="1772816"/>
-            <a:ext cx="4041775" cy="2181921"/>
+            <a:off x="1143000" y="1524000"/>
+            <a:ext cx="3132555" cy="4411663"/>
           </a:xfrm>
         </p:spPr>
         <p:txBody>
-          <a:bodyPr>
-            <a:normAutofit fontScale="70000" lnSpcReduction="20000"/>
+          <a:bodyPr wrap="square" anchor="t">
+            <a:normAutofit/>
           </a:bodyPr>
           <a:lstStyle/>
           <a:p>
-            <a:pPr marL="0" indent="0">
+            <a:pPr>
               <a:lnSpc>
                 <a:spcPct val="90000"/>
               </a:lnSpc>
-              <a:buNone/>
             </a:pPr>
-            <a:r>
-              <a:rPr lang="en-US" b="0" dirty="0">
-                <a:solidFill>
-                  <a:schemeClr val="accent1">
-                    <a:lumMod val="75000"/>
-                  </a:schemeClr>
-                </a:solidFill>
-              </a:rPr>
-              <a:t>Simple Exponential Smoothing (SES)</a:t>
-            </a:r>
-          </a:p>
-          <a:p>
-            <a:pPr marL="285750" indent="-285750">
+            <a:endParaRPr lang="en-US" sz="1500" dirty="0"/>
+          </a:p>
+          <a:p>
+            <a:pPr marL="502920" indent="-457200">
               <a:lnSpc>
                 <a:spcPct val="90000"/>
               </a:lnSpc>
@@ -15535,12 +15629,12 @@
               <a:buChar char="•"/>
             </a:pPr>
             <a:r>
-              <a:rPr lang="en-US" b="0" dirty="0"/>
-              <a:t>SES does not consider trend and seasonality, require parameter Alpha called smoothing factor </a:t>
-            </a:r>
-          </a:p>
-          <a:p>
-            <a:pPr marL="285750" indent="-285750">
+              <a:rPr lang="en-US" sz="1500" dirty="0"/>
+              <a:t>The simplest time-series forecasting model known as “rolling mean” and be calculated by average data of the time series in a certain time period.</a:t>
+            </a:r>
+          </a:p>
+          <a:p>
+            <a:pPr marL="502920" indent="-457200">
               <a:lnSpc>
                 <a:spcPct val="90000"/>
               </a:lnSpc>
@@ -15548,12 +15642,18 @@
               <a:buChar char="•"/>
             </a:pPr>
             <a:r>
-              <a:rPr lang="en-US" b="0" dirty="0"/>
-              <a:t>This model learn bit from most recent demand and last forecast.</a:t>
-            </a:r>
-          </a:p>
-          <a:p>
-            <a:pPr marL="285750" indent="-285750">
+              <a:rPr lang="en-US" sz="1500" dirty="0">
+                <a:effectLst/>
+              </a:rPr>
+              <a:t>In this project, the </a:t>
+            </a:r>
+            <a:r>
+              <a:rPr lang="en-US" sz="1500" dirty="0"/>
+              <a:t>sale forecast is the average of the demand during the last 12-months period.</a:t>
+            </a:r>
+          </a:p>
+          <a:p>
+            <a:pPr marL="502920" indent="-457200">
               <a:lnSpc>
                 <a:spcPct val="90000"/>
               </a:lnSpc>
@@ -15561,97 +15661,28 @@
               <a:buChar char="•"/>
             </a:pPr>
             <a:r>
-              <a:rPr lang="en-US" b="0" dirty="0"/>
-              <a:t>That’s the reason we get a straight line as prediction which is not that much useful.</a:t>
-            </a:r>
-          </a:p>
-          <a:p>
-            <a:endParaRPr lang="en-US" dirty="0"/>
-          </a:p>
-        </p:txBody>
-      </p:sp>
-      <p:sp>
-        <p:nvSpPr>
-          <p:cNvPr id="16" name="Text Placeholder 4">
-            <a:extLst>
-              <a:ext uri="{FF2B5EF4-FFF2-40B4-BE49-F238E27FC236}">
-                <a16:creationId xmlns:a16="http://schemas.microsoft.com/office/drawing/2014/main" id="{006FF6F1-8B4E-4A7B-B218-A3B5E1357AA9}"/>
-              </a:ext>
-            </a:extLst>
-          </p:cNvPr>
-          <p:cNvSpPr>
-            <a:spLocks noGrp="1"/>
-          </p:cNvSpPr>
-          <p:nvPr>
-            <p:ph type="body" sz="quarter" idx="3"/>
-          </p:nvPr>
-        </p:nvSpPr>
-        <p:spPr>
-          <a:xfrm>
-            <a:off x="4788024" y="1642408"/>
-            <a:ext cx="3898776" cy="2071409"/>
-          </a:xfrm>
-        </p:spPr>
-        <p:txBody>
-          <a:bodyPr>
-            <a:normAutofit fontScale="70000" lnSpcReduction="20000"/>
-          </a:bodyPr>
-          <a:lstStyle/>
-          <a:p>
-            <a:pPr marL="0" indent="0">
-              <a:lnSpc>
-                <a:spcPct val="90000"/>
-              </a:lnSpc>
-              <a:buNone/>
-            </a:pPr>
-            <a:r>
-              <a:rPr lang="en-IN" b="0" dirty="0">
-                <a:solidFill>
-                  <a:schemeClr val="accent1">
-                    <a:lumMod val="75000"/>
-                  </a:schemeClr>
-                </a:solidFill>
-              </a:rPr>
-              <a:t>Double Exponential Smoothing (DES)</a:t>
-            </a:r>
-          </a:p>
-          <a:p>
-            <a:pPr marL="285750" indent="-285750">
+              <a:rPr lang="en-US" sz="1500" dirty="0"/>
+              <a:t>The value obtained for MAE (Mean absolute error) is 62513.0 and MSE (Mean squared error) is 21124506200.28, respectively. The value obtained for RMSE (Root mean squared error) is 145342.72.</a:t>
+            </a:r>
+          </a:p>
+          <a:p>
+            <a:pPr marL="502920" indent="-457200">
               <a:lnSpc>
                 <a:spcPct val="90000"/>
               </a:lnSpc>
               <a:buFont typeface="Arial" panose="020B0604020202020204" pitchFamily="34" charset="0"/>
               <a:buChar char="•"/>
             </a:pPr>
-            <a:r>
-              <a:rPr lang="en-IN" b="0" dirty="0"/>
-              <a:t>DES is extension of SES, and is reliable for handling the univariate time series that shows trend but ignores the seasonality.</a:t>
-            </a:r>
-          </a:p>
-          <a:p>
-            <a:pPr marL="285750" indent="-285750">
-              <a:lnSpc>
-                <a:spcPct val="90000"/>
-              </a:lnSpc>
-              <a:buFont typeface="Arial" panose="020B0604020202020204" pitchFamily="34" charset="0"/>
-              <a:buChar char="•"/>
-            </a:pPr>
-            <a:r>
-              <a:rPr lang="en-IN" b="0" dirty="0"/>
-              <a:t>In the figure, we see a straight line with little upward trend, which is also not a good predictor.</a:t>
-            </a:r>
-          </a:p>
-          <a:p>
-            <a:endParaRPr lang="en-US" dirty="0"/>
+            <a:endParaRPr lang="en-US" sz="1500" dirty="0"/>
           </a:p>
         </p:txBody>
       </p:sp>
       <p:pic>
         <p:nvPicPr>
-          <p:cNvPr id="9" name="Picture 8" descr="Chart, line chart&#10;&#10;Description automatically generated">
+          <p:cNvPr id="5" name="Picture 4">
             <a:extLst>
               <a:ext uri="{FF2B5EF4-FFF2-40B4-BE49-F238E27FC236}">
-                <a16:creationId xmlns:a16="http://schemas.microsoft.com/office/drawing/2014/main" id="{E716A822-3B54-4488-B647-EEA47C245664}"/>
+                <a16:creationId xmlns:a16="http://schemas.microsoft.com/office/drawing/2014/main" id="{B1F05011-E96E-4D65-ADF9-1606143919A7}"/>
               </a:ext>
             </a:extLst>
           </p:cNvPr>
@@ -15661,21 +15692,15 @@
           <p:nvPr/>
         </p:nvPicPr>
         <p:blipFill>
-          <a:blip r:embed="rId2" cstate="print">
-            <a:extLst>
-              <a:ext uri="{28A0092B-C50C-407E-A947-70E740481C1C}">
-                <a14:useLocalDpi xmlns:a14="http://schemas.microsoft.com/office/drawing/2010/main" val="0"/>
-              </a:ext>
-            </a:extLst>
-          </a:blip>
+          <a:blip r:embed="rId2"/>
           <a:stretch>
             <a:fillRect/>
           </a:stretch>
         </p:blipFill>
         <p:spPr>
           <a:xfrm>
-            <a:off x="899592" y="4084618"/>
-            <a:ext cx="3746044" cy="1919847"/>
+            <a:off x="4247812" y="2420888"/>
+            <a:ext cx="4451406" cy="2448272"/>
           </a:xfrm>
           <a:prstGeom prst="rect">
             <a:avLst/>
@@ -15683,46 +15708,10 @@
           <a:noFill/>
         </p:spPr>
       </p:pic>
-      <p:pic>
-        <p:nvPicPr>
-          <p:cNvPr id="15" name="Picture 14" descr="Line chart&#10;&#10;Description automatically generated">
-            <a:extLst>
-              <a:ext uri="{FF2B5EF4-FFF2-40B4-BE49-F238E27FC236}">
-                <a16:creationId xmlns:a16="http://schemas.microsoft.com/office/drawing/2014/main" id="{011D4879-EC4A-4150-A27C-614F1DC5CA17}"/>
-              </a:ext>
-            </a:extLst>
-          </p:cNvPr>
-          <p:cNvPicPr>
-            <a:picLocks noChangeAspect="1"/>
-          </p:cNvPicPr>
-          <p:nvPr/>
-        </p:nvPicPr>
-        <p:blipFill>
-          <a:blip r:embed="rId3" cstate="print">
-            <a:extLst>
-              <a:ext uri="{28A0092B-C50C-407E-A947-70E740481C1C}">
-                <a14:useLocalDpi xmlns:a14="http://schemas.microsoft.com/office/drawing/2010/main" val="0"/>
-              </a:ext>
-            </a:extLst>
-          </a:blip>
-          <a:stretch>
-            <a:fillRect/>
-          </a:stretch>
-        </p:blipFill>
-        <p:spPr>
-          <a:xfrm>
-            <a:off x="5076056" y="4075325"/>
-            <a:ext cx="3329581" cy="1945204"/>
-          </a:xfrm>
-          <a:prstGeom prst="rect">
-            <a:avLst/>
-          </a:prstGeom>
-        </p:spPr>
-      </p:pic>
     </p:spTree>
     <p:extLst>
       <p:ext uri="{BB962C8B-B14F-4D97-AF65-F5344CB8AC3E}">
-        <p14:creationId xmlns:p14="http://schemas.microsoft.com/office/powerpoint/2010/main" val="3627954468"/>
+        <p14:creationId xmlns:p14="http://schemas.microsoft.com/office/powerpoint/2010/main" val="1013225187"/>
       </p:ext>
     </p:extLst>
   </p:cSld>
